--- a/images/Cover.pptx
+++ b/images/Cover.pptx
@@ -104,6 +104,11 @@
       </a:defRPr>
     </a:lvl9pPr>
   </p:defaultTextStyle>
+  <p:extLst>
+    <p:ext uri="{EFAFB233-063F-42B5-8137-9DF3F51BA10A}">
+      <p15:sldGuideLst xmlns:p15="http://schemas.microsoft.com/office/powerpoint/2012/main"/>
+    </p:ext>
+  </p:extLst>
 </p:presentation>
 </file>
 
@@ -254,7 +259,7 @@
           <a:p>
             <a:fld id="{1F91EE25-DB93-4C96-9EED-695298E10A08}" type="datetimeFigureOut">
               <a:rPr lang="en-US" smtClean="0"/>
-              <a:t>8/19/2021</a:t>
+              <a:t>2/12/24</a:t>
             </a:fld>
             <a:endParaRPr lang="en-US"/>
           </a:p>
@@ -452,7 +457,7 @@
           <a:p>
             <a:fld id="{1F91EE25-DB93-4C96-9EED-695298E10A08}" type="datetimeFigureOut">
               <a:rPr lang="en-US" smtClean="0"/>
-              <a:t>8/19/2021</a:t>
+              <a:t>2/12/24</a:t>
             </a:fld>
             <a:endParaRPr lang="en-US"/>
           </a:p>
@@ -660,7 +665,7 @@
           <a:p>
             <a:fld id="{1F91EE25-DB93-4C96-9EED-695298E10A08}" type="datetimeFigureOut">
               <a:rPr lang="en-US" smtClean="0"/>
-              <a:t>8/19/2021</a:t>
+              <a:t>2/12/24</a:t>
             </a:fld>
             <a:endParaRPr lang="en-US"/>
           </a:p>
@@ -858,7 +863,7 @@
           <a:p>
             <a:fld id="{1F91EE25-DB93-4C96-9EED-695298E10A08}" type="datetimeFigureOut">
               <a:rPr lang="en-US" smtClean="0"/>
-              <a:t>8/19/2021</a:t>
+              <a:t>2/12/24</a:t>
             </a:fld>
             <a:endParaRPr lang="en-US"/>
           </a:p>
@@ -1133,7 +1138,7 @@
           <a:p>
             <a:fld id="{1F91EE25-DB93-4C96-9EED-695298E10A08}" type="datetimeFigureOut">
               <a:rPr lang="en-US" smtClean="0"/>
-              <a:t>8/19/2021</a:t>
+              <a:t>2/12/24</a:t>
             </a:fld>
             <a:endParaRPr lang="en-US"/>
           </a:p>
@@ -1398,7 +1403,7 @@
           <a:p>
             <a:fld id="{1F91EE25-DB93-4C96-9EED-695298E10A08}" type="datetimeFigureOut">
               <a:rPr lang="en-US" smtClean="0"/>
-              <a:t>8/19/2021</a:t>
+              <a:t>2/12/24</a:t>
             </a:fld>
             <a:endParaRPr lang="en-US"/>
           </a:p>
@@ -1810,7 +1815,7 @@
           <a:p>
             <a:fld id="{1F91EE25-DB93-4C96-9EED-695298E10A08}" type="datetimeFigureOut">
               <a:rPr lang="en-US" smtClean="0"/>
-              <a:t>8/19/2021</a:t>
+              <a:t>2/12/24</a:t>
             </a:fld>
             <a:endParaRPr lang="en-US"/>
           </a:p>
@@ -1951,7 +1956,7 @@
           <a:p>
             <a:fld id="{1F91EE25-DB93-4C96-9EED-695298E10A08}" type="datetimeFigureOut">
               <a:rPr lang="en-US" smtClean="0"/>
-              <a:t>8/19/2021</a:t>
+              <a:t>2/12/24</a:t>
             </a:fld>
             <a:endParaRPr lang="en-US"/>
           </a:p>
@@ -2064,7 +2069,7 @@
           <a:p>
             <a:fld id="{1F91EE25-DB93-4C96-9EED-695298E10A08}" type="datetimeFigureOut">
               <a:rPr lang="en-US" smtClean="0"/>
-              <a:t>8/19/2021</a:t>
+              <a:t>2/12/24</a:t>
             </a:fld>
             <a:endParaRPr lang="en-US"/>
           </a:p>
@@ -2375,7 +2380,7 @@
           <a:p>
             <a:fld id="{1F91EE25-DB93-4C96-9EED-695298E10A08}" type="datetimeFigureOut">
               <a:rPr lang="en-US" smtClean="0"/>
-              <a:t>8/19/2021</a:t>
+              <a:t>2/12/24</a:t>
             </a:fld>
             <a:endParaRPr lang="en-US"/>
           </a:p>
@@ -2663,7 +2668,7 @@
           <a:p>
             <a:fld id="{1F91EE25-DB93-4C96-9EED-695298E10A08}" type="datetimeFigureOut">
               <a:rPr lang="en-US" smtClean="0"/>
-              <a:t>8/19/2021</a:t>
+              <a:t>2/12/24</a:t>
             </a:fld>
             <a:endParaRPr lang="en-US"/>
           </a:p>
@@ -2904,7 +2909,7 @@
           <a:p>
             <a:fld id="{1F91EE25-DB93-4C96-9EED-695298E10A08}" type="datetimeFigureOut">
               <a:rPr lang="en-US" smtClean="0"/>
-              <a:t>8/19/2021</a:t>
+              <a:t>2/12/24</a:t>
             </a:fld>
             <a:endParaRPr lang="en-US"/>
           </a:p>
@@ -3508,7 +3513,7 @@
         <p:spPr>
           <a:xfrm>
             <a:off x="1524000" y="4159404"/>
-            <a:ext cx="9144000" cy="1098395"/>
+            <a:ext cx="9144000" cy="1576234"/>
           </a:xfrm>
         </p:spPr>
         <p:txBody>
@@ -3516,6 +3521,16 @@
             <a:normAutofit/>
           </a:bodyPr>
           <a:lstStyle/>
+          <a:p>
+            <a:r>
+              <a:rPr lang="en-US" sz="4000" b="1" dirty="0">
+                <a:solidFill>
+                  <a:srgbClr val="FFFFFF"/>
+                </a:solidFill>
+              </a:rPr>
+              <a:t>Dana Linnell, PhD</a:t>
+            </a:r>
+          </a:p>
           <a:p>
             <a:r>
               <a:rPr lang="en-US" sz="4000" dirty="0">
@@ -3523,7 +3538,7 @@
                   <a:srgbClr val="FFFFFF"/>
                 </a:solidFill>
               </a:rPr>
-              <a:t>Dana Linnell Wanzer, PhD</a:t>
+              <a:t>University of Wisconsin-Stout</a:t>
             </a:r>
           </a:p>
         </p:txBody>
